--- a/Documentation/HobbyProject.pptx
+++ b/Documentation/HobbyProject.pptx
@@ -31,18 +31,21 @@
     <p:sldId id="276" r:id="rId26"/>
     <p:sldId id="277" r:id="rId27"/>
     <p:sldId id="278" r:id="rId28"/>
+    <p:sldId id="279" r:id="rId29"/>
+    <p:sldId id="280" r:id="rId30"/>
+    <p:sldId id="281" r:id="rId31"/>
   </p:sldIdLst>
   <p:sldSz cy="5143500" cx="9144000"/>
   <p:notesSz cx="6858000" cy="9144000"/>
   <p:embeddedFontLst>
     <p:embeddedFont>
       <p:font typeface="Average"/>
-      <p:regular r:id="rId29"/>
+      <p:regular r:id="rId32"/>
     </p:embeddedFont>
     <p:embeddedFont>
       <p:font typeface="Oswald"/>
-      <p:regular r:id="rId30"/>
-      <p:bold r:id="rId31"/>
+      <p:regular r:id="rId33"/>
+      <p:bold r:id="rId34"/>
     </p:embeddedFont>
   </p:embeddedFontLst>
   <p:defaultTextStyle>
@@ -1714,7 +1717,7 @@
   <p:cSld>
     <p:spTree>
       <p:nvGrpSpPr>
-        <p:cNvPr id="183" name="Shape 183"/>
+        <p:cNvPr id="184" name="Shape 184"/>
         <p:cNvGrpSpPr/>
         <p:nvPr/>
       </p:nvGrpSpPr>
@@ -1728,7 +1731,7 @@
       </p:grpSpPr>
       <p:sp>
         <p:nvSpPr>
-          <p:cNvPr id="184" name="Google Shape;184;gf81ed24556_0_62:notes"/>
+          <p:cNvPr id="185" name="Google Shape;185;gf81ed24556_0_62:notes"/>
           <p:cNvSpPr/>
           <p:nvPr>
             <p:ph idx="2" type="sldImg"/>
@@ -1763,7 +1766,7 @@
       </p:sp>
       <p:sp>
         <p:nvSpPr>
-          <p:cNvPr id="185" name="Google Shape;185;gf81ed24556_0_62:notes"/>
+          <p:cNvPr id="186" name="Google Shape;186;gf81ed24556_0_62:notes"/>
           <p:cNvSpPr txBox="1"/>
           <p:nvPr>
             <p:ph idx="1" type="body"/>
@@ -1912,7 +1915,7 @@
   <p:cSld>
     <p:spTree>
       <p:nvGrpSpPr>
-        <p:cNvPr id="189" name="Shape 189"/>
+        <p:cNvPr id="190" name="Shape 190"/>
         <p:cNvGrpSpPr/>
         <p:nvPr/>
       </p:nvGrpSpPr>
@@ -1926,7 +1929,7 @@
       </p:grpSpPr>
       <p:sp>
         <p:nvSpPr>
-          <p:cNvPr id="190" name="Google Shape;190;gc6f980f91_0_42:notes"/>
+          <p:cNvPr id="191" name="Google Shape;191;gc6f980f91_0_42:notes"/>
           <p:cNvSpPr/>
           <p:nvPr>
             <p:ph idx="2" type="sldImg"/>
@@ -1961,7 +1964,7 @@
       </p:sp>
       <p:sp>
         <p:nvSpPr>
-          <p:cNvPr id="191" name="Google Shape;191;gc6f980f91_0_42:notes"/>
+          <p:cNvPr id="192" name="Google Shape;192;gc6f980f91_0_42:notes"/>
           <p:cNvSpPr txBox="1"/>
           <p:nvPr>
             <p:ph idx="1" type="body"/>
@@ -2011,7 +2014,7 @@
   <p:cSld>
     <p:spTree>
       <p:nvGrpSpPr>
-        <p:cNvPr id="195" name="Shape 195"/>
+        <p:cNvPr id="196" name="Shape 196"/>
         <p:cNvGrpSpPr/>
         <p:nvPr/>
       </p:nvGrpSpPr>
@@ -2025,7 +2028,7 @@
       </p:grpSpPr>
       <p:sp>
         <p:nvSpPr>
-          <p:cNvPr id="196" name="Google Shape;196;gc6f980f91_0_48:notes"/>
+          <p:cNvPr id="197" name="Google Shape;197;gc6f980f91_0_48:notes"/>
           <p:cNvSpPr/>
           <p:nvPr>
             <p:ph idx="2" type="sldImg"/>
@@ -2060,7 +2063,7 @@
       </p:sp>
       <p:sp>
         <p:nvSpPr>
-          <p:cNvPr id="197" name="Google Shape;197;gc6f980f91_0_48:notes"/>
+          <p:cNvPr id="198" name="Google Shape;198;gc6f980f91_0_48:notes"/>
           <p:cNvSpPr txBox="1"/>
           <p:nvPr>
             <p:ph idx="1" type="body"/>
@@ -2110,7 +2113,7 @@
   <p:cSld>
     <p:spTree>
       <p:nvGrpSpPr>
-        <p:cNvPr id="201" name="Shape 201"/>
+        <p:cNvPr id="202" name="Shape 202"/>
         <p:cNvGrpSpPr/>
         <p:nvPr/>
       </p:nvGrpSpPr>
@@ -2124,7 +2127,7 @@
       </p:grpSpPr>
       <p:sp>
         <p:nvSpPr>
-          <p:cNvPr id="202" name="Google Shape;202;gc6f980f91_0_81:notes"/>
+          <p:cNvPr id="203" name="Google Shape;203;gc6f980f91_0_81:notes"/>
           <p:cNvSpPr/>
           <p:nvPr>
             <p:ph idx="2" type="sldImg"/>
@@ -2159,7 +2162,7 @@
       </p:sp>
       <p:sp>
         <p:nvSpPr>
-          <p:cNvPr id="203" name="Google Shape;203;gc6f980f91_0_81:notes"/>
+          <p:cNvPr id="204" name="Google Shape;204;gc6f980f91_0_81:notes"/>
           <p:cNvSpPr txBox="1"/>
           <p:nvPr>
             <p:ph idx="1" type="body"/>
@@ -2209,7 +2212,7 @@
   <p:cSld>
     <p:spTree>
       <p:nvGrpSpPr>
-        <p:cNvPr id="207" name="Shape 207"/>
+        <p:cNvPr id="208" name="Shape 208"/>
         <p:cNvGrpSpPr/>
         <p:nvPr/>
       </p:nvGrpSpPr>
@@ -2223,7 +2226,7 @@
       </p:grpSpPr>
       <p:sp>
         <p:nvSpPr>
-          <p:cNvPr id="208" name="Google Shape;208;gf81ed24556_0_70:notes"/>
+          <p:cNvPr id="209" name="Google Shape;209;g1036aaf2869_0_2:notes"/>
           <p:cNvSpPr/>
           <p:nvPr>
             <p:ph idx="2" type="sldImg"/>
@@ -2231,8 +2234,8 @@
         </p:nvSpPr>
         <p:spPr>
           <a:xfrm>
-            <a:off x="381188" y="685800"/>
-            <a:ext cx="6096300" cy="3429000"/>
+            <a:off x="381300" y="685800"/>
+            <a:ext cx="6096000" cy="3429000"/>
           </a:xfrm>
           <a:custGeom>
             <a:rect b="b" l="l" r="r" t="t"/>
@@ -2258,7 +2261,304 @@
       </p:sp>
       <p:sp>
         <p:nvSpPr>
-          <p:cNvPr id="209" name="Google Shape;209;gf81ed24556_0_70:notes"/>
+          <p:cNvPr id="210" name="Google Shape;210;g1036aaf2869_0_2:notes"/>
+          <p:cNvSpPr txBox="1"/>
+          <p:nvPr>
+            <p:ph idx="1" type="body"/>
+          </p:nvPr>
+        </p:nvSpPr>
+        <p:spPr>
+          <a:xfrm>
+            <a:off x="685800" y="4343400"/>
+            <a:ext cx="5486400" cy="4114800"/>
+          </a:xfrm>
+          <a:prstGeom prst="rect">
+            <a:avLst/>
+          </a:prstGeom>
+        </p:spPr>
+        <p:txBody>
+          <a:bodyPr anchorCtr="0" anchor="t" bIns="91425" lIns="91425" spcFirstLastPara="1" rIns="91425" wrap="square" tIns="91425">
+            <a:noAutofit/>
+          </a:bodyPr>
+          <a:lstStyle/>
+          <a:p>
+            <a:pPr indent="0" lvl="0" marL="0" rtl="0" algn="l">
+              <a:spcBef>
+                <a:spcPts val="0"/>
+              </a:spcBef>
+              <a:spcAft>
+                <a:spcPts val="0"/>
+              </a:spcAft>
+              <a:buNone/>
+            </a:pPr>
+            <a:r>
+              <a:t/>
+            </a:r>
+            <a:endParaRPr/>
+          </a:p>
+        </p:txBody>
+      </p:sp>
+    </p:spTree>
+  </p:cSld>
+  <p:clrMapOvr>
+    <a:masterClrMapping/>
+  </p:clrMapOvr>
+</p:notes>
+</file>
+
+<file path=ppt/notesSlides/notesSlide24.xml><?xml version="1.0" encoding="utf-8"?>
+<p:notes xmlns:a="http://schemas.openxmlformats.org/drawingml/2006/main" xmlns:r="http://schemas.openxmlformats.org/officeDocument/2006/relationships" xmlns:mc="http://schemas.openxmlformats.org/markup-compatibility/2006" xmlns:mv="urn:schemas-microsoft-com:mac:vml" xmlns:p="http://schemas.openxmlformats.org/presentationml/2006/main" xmlns:c="http://schemas.openxmlformats.org/drawingml/2006/chart" xmlns:dgm="http://schemas.openxmlformats.org/drawingml/2006/diagram" xmlns:o="urn:schemas-microsoft-com:office:office" xmlns:v="urn:schemas-microsoft-com:vml" xmlns:pvml="urn:schemas-microsoft-com:office:powerpoint" xmlns:com="http://schemas.openxmlformats.org/drawingml/2006/compatibility" xmlns:p14="http://schemas.microsoft.com/office/powerpoint/2010/main" xmlns:p15="http://schemas.microsoft.com/office/powerpoint/2012/main" xmlns:ahyp="http://schemas.microsoft.com/office/drawing/2018/hyperlinkcolor" showMasterPhAnim="0" showMasterSp="0">
+  <p:cSld>
+    <p:spTree>
+      <p:nvGrpSpPr>
+        <p:cNvPr id="214" name="Shape 214"/>
+        <p:cNvGrpSpPr/>
+        <p:nvPr/>
+      </p:nvGrpSpPr>
+      <p:grpSpPr>
+        <a:xfrm>
+          <a:off x="0" y="0"/>
+          <a:ext cx="0" cy="0"/>
+          <a:chOff x="0" y="0"/>
+          <a:chExt cx="0" cy="0"/>
+        </a:xfrm>
+      </p:grpSpPr>
+      <p:sp>
+        <p:nvSpPr>
+          <p:cNvPr id="215" name="Google Shape;215;g1036aaf2869_0_7:notes"/>
+          <p:cNvSpPr/>
+          <p:nvPr>
+            <p:ph idx="2" type="sldImg"/>
+          </p:nvPr>
+        </p:nvSpPr>
+        <p:spPr>
+          <a:xfrm>
+            <a:off x="381300" y="685800"/>
+            <a:ext cx="6096000" cy="3429000"/>
+          </a:xfrm>
+          <a:custGeom>
+            <a:rect b="b" l="l" r="r" t="t"/>
+            <a:pathLst>
+              <a:path extrusionOk="0" h="120000" w="120000">
+                <a:moveTo>
+                  <a:pt x="0" y="0"/>
+                </a:moveTo>
+                <a:lnTo>
+                  <a:pt x="120000" y="0"/>
+                </a:lnTo>
+                <a:lnTo>
+                  <a:pt x="120000" y="120000"/>
+                </a:lnTo>
+                <a:lnTo>
+                  <a:pt x="0" y="120000"/>
+                </a:lnTo>
+                <a:close/>
+              </a:path>
+            </a:pathLst>
+          </a:custGeom>
+        </p:spPr>
+      </p:sp>
+      <p:sp>
+        <p:nvSpPr>
+          <p:cNvPr id="216" name="Google Shape;216;g1036aaf2869_0_7:notes"/>
+          <p:cNvSpPr txBox="1"/>
+          <p:nvPr>
+            <p:ph idx="1" type="body"/>
+          </p:nvPr>
+        </p:nvSpPr>
+        <p:spPr>
+          <a:xfrm>
+            <a:off x="685800" y="4343400"/>
+            <a:ext cx="5486400" cy="4114800"/>
+          </a:xfrm>
+          <a:prstGeom prst="rect">
+            <a:avLst/>
+          </a:prstGeom>
+        </p:spPr>
+        <p:txBody>
+          <a:bodyPr anchorCtr="0" anchor="t" bIns="91425" lIns="91425" spcFirstLastPara="1" rIns="91425" wrap="square" tIns="91425">
+            <a:noAutofit/>
+          </a:bodyPr>
+          <a:lstStyle/>
+          <a:p>
+            <a:pPr indent="0" lvl="0" marL="0" rtl="0" algn="l">
+              <a:spcBef>
+                <a:spcPts val="0"/>
+              </a:spcBef>
+              <a:spcAft>
+                <a:spcPts val="0"/>
+              </a:spcAft>
+              <a:buNone/>
+            </a:pPr>
+            <a:r>
+              <a:t/>
+            </a:r>
+            <a:endParaRPr/>
+          </a:p>
+        </p:txBody>
+      </p:sp>
+    </p:spTree>
+  </p:cSld>
+  <p:clrMapOvr>
+    <a:masterClrMapping/>
+  </p:clrMapOvr>
+</p:notes>
+</file>
+
+<file path=ppt/notesSlides/notesSlide25.xml><?xml version="1.0" encoding="utf-8"?>
+<p:notes xmlns:a="http://schemas.openxmlformats.org/drawingml/2006/main" xmlns:r="http://schemas.openxmlformats.org/officeDocument/2006/relationships" xmlns:mc="http://schemas.openxmlformats.org/markup-compatibility/2006" xmlns:mv="urn:schemas-microsoft-com:mac:vml" xmlns:p="http://schemas.openxmlformats.org/presentationml/2006/main" xmlns:c="http://schemas.openxmlformats.org/drawingml/2006/chart" xmlns:dgm="http://schemas.openxmlformats.org/drawingml/2006/diagram" xmlns:o="urn:schemas-microsoft-com:office:office" xmlns:v="urn:schemas-microsoft-com:vml" xmlns:pvml="urn:schemas-microsoft-com:office:powerpoint" xmlns:com="http://schemas.openxmlformats.org/drawingml/2006/compatibility" xmlns:p14="http://schemas.microsoft.com/office/powerpoint/2010/main" xmlns:p15="http://schemas.microsoft.com/office/powerpoint/2012/main" xmlns:ahyp="http://schemas.microsoft.com/office/drawing/2018/hyperlinkcolor" showMasterPhAnim="0" showMasterSp="0">
+  <p:cSld>
+    <p:spTree>
+      <p:nvGrpSpPr>
+        <p:cNvPr id="220" name="Shape 220"/>
+        <p:cNvGrpSpPr/>
+        <p:nvPr/>
+      </p:nvGrpSpPr>
+      <p:grpSpPr>
+        <a:xfrm>
+          <a:off x="0" y="0"/>
+          <a:ext cx="0" cy="0"/>
+          <a:chOff x="0" y="0"/>
+          <a:chExt cx="0" cy="0"/>
+        </a:xfrm>
+      </p:grpSpPr>
+      <p:sp>
+        <p:nvSpPr>
+          <p:cNvPr id="221" name="Google Shape;221;g1036aaf2869_0_13:notes"/>
+          <p:cNvSpPr/>
+          <p:nvPr>
+            <p:ph idx="2" type="sldImg"/>
+          </p:nvPr>
+        </p:nvSpPr>
+        <p:spPr>
+          <a:xfrm>
+            <a:off x="381300" y="685800"/>
+            <a:ext cx="6096000" cy="3429000"/>
+          </a:xfrm>
+          <a:custGeom>
+            <a:rect b="b" l="l" r="r" t="t"/>
+            <a:pathLst>
+              <a:path extrusionOk="0" h="120000" w="120000">
+                <a:moveTo>
+                  <a:pt x="0" y="0"/>
+                </a:moveTo>
+                <a:lnTo>
+                  <a:pt x="120000" y="0"/>
+                </a:lnTo>
+                <a:lnTo>
+                  <a:pt x="120000" y="120000"/>
+                </a:lnTo>
+                <a:lnTo>
+                  <a:pt x="0" y="120000"/>
+                </a:lnTo>
+                <a:close/>
+              </a:path>
+            </a:pathLst>
+          </a:custGeom>
+        </p:spPr>
+      </p:sp>
+      <p:sp>
+        <p:nvSpPr>
+          <p:cNvPr id="222" name="Google Shape;222;g1036aaf2869_0_13:notes"/>
+          <p:cNvSpPr txBox="1"/>
+          <p:nvPr>
+            <p:ph idx="1" type="body"/>
+          </p:nvPr>
+        </p:nvSpPr>
+        <p:spPr>
+          <a:xfrm>
+            <a:off x="685800" y="4343400"/>
+            <a:ext cx="5486400" cy="4114800"/>
+          </a:xfrm>
+          <a:prstGeom prst="rect">
+            <a:avLst/>
+          </a:prstGeom>
+        </p:spPr>
+        <p:txBody>
+          <a:bodyPr anchorCtr="0" anchor="t" bIns="91425" lIns="91425" spcFirstLastPara="1" rIns="91425" wrap="square" tIns="91425">
+            <a:noAutofit/>
+          </a:bodyPr>
+          <a:lstStyle/>
+          <a:p>
+            <a:pPr indent="0" lvl="0" marL="0" rtl="0" algn="l">
+              <a:spcBef>
+                <a:spcPts val="0"/>
+              </a:spcBef>
+              <a:spcAft>
+                <a:spcPts val="0"/>
+              </a:spcAft>
+              <a:buNone/>
+            </a:pPr>
+            <a:r>
+              <a:t/>
+            </a:r>
+            <a:endParaRPr/>
+          </a:p>
+        </p:txBody>
+      </p:sp>
+    </p:spTree>
+  </p:cSld>
+  <p:clrMapOvr>
+    <a:masterClrMapping/>
+  </p:clrMapOvr>
+</p:notes>
+</file>
+
+<file path=ppt/notesSlides/notesSlide26.xml><?xml version="1.0" encoding="utf-8"?>
+<p:notes xmlns:a="http://schemas.openxmlformats.org/drawingml/2006/main" xmlns:r="http://schemas.openxmlformats.org/officeDocument/2006/relationships" xmlns:mc="http://schemas.openxmlformats.org/markup-compatibility/2006" xmlns:mv="urn:schemas-microsoft-com:mac:vml" xmlns:p="http://schemas.openxmlformats.org/presentationml/2006/main" xmlns:c="http://schemas.openxmlformats.org/drawingml/2006/chart" xmlns:dgm="http://schemas.openxmlformats.org/drawingml/2006/diagram" xmlns:o="urn:schemas-microsoft-com:office:office" xmlns:v="urn:schemas-microsoft-com:vml" xmlns:pvml="urn:schemas-microsoft-com:office:powerpoint" xmlns:com="http://schemas.openxmlformats.org/drawingml/2006/compatibility" xmlns:p14="http://schemas.microsoft.com/office/powerpoint/2010/main" xmlns:p15="http://schemas.microsoft.com/office/powerpoint/2012/main" xmlns:ahyp="http://schemas.microsoft.com/office/drawing/2018/hyperlinkcolor" showMasterPhAnim="0" showMasterSp="0">
+  <p:cSld>
+    <p:spTree>
+      <p:nvGrpSpPr>
+        <p:cNvPr id="226" name="Shape 226"/>
+        <p:cNvGrpSpPr/>
+        <p:nvPr/>
+      </p:nvGrpSpPr>
+      <p:grpSpPr>
+        <a:xfrm>
+          <a:off x="0" y="0"/>
+          <a:ext cx="0" cy="0"/>
+          <a:chOff x="0" y="0"/>
+          <a:chExt cx="0" cy="0"/>
+        </a:xfrm>
+      </p:grpSpPr>
+      <p:sp>
+        <p:nvSpPr>
+          <p:cNvPr id="227" name="Google Shape;227;gf81ed24556_0_70:notes"/>
+          <p:cNvSpPr/>
+          <p:nvPr>
+            <p:ph idx="2" type="sldImg"/>
+          </p:nvPr>
+        </p:nvSpPr>
+        <p:spPr>
+          <a:xfrm>
+            <a:off x="381188" y="685800"/>
+            <a:ext cx="6096300" cy="3429000"/>
+          </a:xfrm>
+          <a:custGeom>
+            <a:rect b="b" l="l" r="r" t="t"/>
+            <a:pathLst>
+              <a:path extrusionOk="0" h="120000" w="120000">
+                <a:moveTo>
+                  <a:pt x="0" y="0"/>
+                </a:moveTo>
+                <a:lnTo>
+                  <a:pt x="120000" y="0"/>
+                </a:lnTo>
+                <a:lnTo>
+                  <a:pt x="120000" y="120000"/>
+                </a:lnTo>
+                <a:lnTo>
+                  <a:pt x="0" y="120000"/>
+                </a:lnTo>
+                <a:close/>
+              </a:path>
+            </a:pathLst>
+          </a:custGeom>
+        </p:spPr>
+      </p:sp>
+      <p:sp>
+        <p:nvSpPr>
+          <p:cNvPr id="228" name="Google Shape;228;gf81ed24556_0_70:notes"/>
           <p:cNvSpPr txBox="1"/>
           <p:nvPr>
             <p:ph idx="1" type="body"/>
@@ -9941,8 +10241,36 @@
         </p:blipFill>
         <p:spPr>
           <a:xfrm>
-            <a:off x="4955350" y="381725"/>
-            <a:ext cx="3756526" cy="4267800"/>
+            <a:off x="413600" y="4196425"/>
+            <a:ext cx="5111651" cy="738050"/>
+          </a:xfrm>
+          <a:prstGeom prst="rect">
+            <a:avLst/>
+          </a:prstGeom>
+          <a:noFill/>
+          <a:ln>
+            <a:noFill/>
+          </a:ln>
+        </p:spPr>
+      </p:pic>
+      <p:pic>
+        <p:nvPicPr>
+          <p:cNvPr id="183" name="Google Shape;183;p30"/>
+          <p:cNvPicPr preferRelativeResize="0"/>
+          <p:nvPr/>
+        </p:nvPicPr>
+        <p:blipFill>
+          <a:blip r:embed="rId4">
+            <a:alphaModFix/>
+          </a:blip>
+          <a:stretch>
+            <a:fillRect/>
+          </a:stretch>
+        </p:blipFill>
+        <p:spPr>
+          <a:xfrm>
+            <a:off x="5588250" y="209025"/>
+            <a:ext cx="3001000" cy="4725451"/>
           </a:xfrm>
           <a:prstGeom prst="rect">
             <a:avLst/>
@@ -9966,7 +10294,7 @@
   <p:cSld>
     <p:spTree>
       <p:nvGrpSpPr>
-        <p:cNvPr id="186" name="Shape 186"/>
+        <p:cNvPr id="187" name="Shape 187"/>
         <p:cNvGrpSpPr/>
         <p:nvPr/>
       </p:nvGrpSpPr>
@@ -9980,7 +10308,7 @@
       </p:grpSpPr>
       <p:sp>
         <p:nvSpPr>
-          <p:cNvPr id="187" name="Google Shape;187;p31"/>
+          <p:cNvPr id="188" name="Google Shape;188;p31"/>
           <p:cNvSpPr txBox="1"/>
           <p:nvPr>
             <p:ph type="title"/>
@@ -10020,7 +10348,7 @@
       </p:sp>
       <p:pic>
         <p:nvPicPr>
-          <p:cNvPr id="188" name="Google Shape;188;p31"/>
+          <p:cNvPr id="189" name="Google Shape;189;p31"/>
           <p:cNvPicPr preferRelativeResize="0"/>
           <p:nvPr/>
         </p:nvPicPr>
@@ -10267,7 +10595,7 @@
   <p:cSld>
     <p:spTree>
       <p:nvGrpSpPr>
-        <p:cNvPr id="192" name="Shape 192"/>
+        <p:cNvPr id="193" name="Shape 193"/>
         <p:cNvGrpSpPr/>
         <p:nvPr/>
       </p:nvGrpSpPr>
@@ -10281,7 +10609,7 @@
       </p:grpSpPr>
       <p:sp>
         <p:nvSpPr>
-          <p:cNvPr id="193" name="Google Shape;193;p32"/>
+          <p:cNvPr id="194" name="Google Shape;194;p32"/>
           <p:cNvSpPr txBox="1"/>
           <p:nvPr>
             <p:ph type="title"/>
@@ -10321,7 +10649,7 @@
       </p:sp>
       <p:pic>
         <p:nvPicPr>
-          <p:cNvPr id="194" name="Google Shape;194;p32"/>
+          <p:cNvPr id="195" name="Google Shape;195;p32"/>
           <p:cNvPicPr preferRelativeResize="0"/>
           <p:nvPr/>
         </p:nvPicPr>
@@ -10360,7 +10688,7 @@
   <p:cSld>
     <p:spTree>
       <p:nvGrpSpPr>
-        <p:cNvPr id="198" name="Shape 198"/>
+        <p:cNvPr id="199" name="Shape 199"/>
         <p:cNvGrpSpPr/>
         <p:nvPr/>
       </p:nvGrpSpPr>
@@ -10374,7 +10702,7 @@
       </p:grpSpPr>
       <p:sp>
         <p:nvSpPr>
-          <p:cNvPr id="199" name="Google Shape;199;p33"/>
+          <p:cNvPr id="200" name="Google Shape;200;p33"/>
           <p:cNvSpPr txBox="1"/>
           <p:nvPr/>
         </p:nvSpPr>
@@ -10432,7 +10760,7 @@
       </p:sp>
       <p:pic>
         <p:nvPicPr>
-          <p:cNvPr id="200" name="Google Shape;200;p33"/>
+          <p:cNvPr id="201" name="Google Shape;201;p33"/>
           <p:cNvPicPr preferRelativeResize="0"/>
           <p:nvPr/>
         </p:nvPicPr>
@@ -10471,7 +10799,7 @@
   <p:cSld>
     <p:spTree>
       <p:nvGrpSpPr>
-        <p:cNvPr id="204" name="Shape 204"/>
+        <p:cNvPr id="205" name="Shape 205"/>
         <p:cNvGrpSpPr/>
         <p:nvPr/>
       </p:nvGrpSpPr>
@@ -10485,7 +10813,7 @@
       </p:grpSpPr>
       <p:sp>
         <p:nvSpPr>
-          <p:cNvPr id="205" name="Google Shape;205;p34"/>
+          <p:cNvPr id="206" name="Google Shape;206;p34"/>
           <p:cNvSpPr txBox="1"/>
           <p:nvPr/>
         </p:nvSpPr>
@@ -10543,7 +10871,7 @@
       </p:sp>
       <p:sp>
         <p:nvSpPr>
-          <p:cNvPr id="206" name="Google Shape;206;p34"/>
+          <p:cNvPr id="207" name="Google Shape;207;p34"/>
           <p:cNvSpPr txBox="1"/>
           <p:nvPr/>
         </p:nvSpPr>
@@ -10783,7 +11111,7 @@
   <p:cSld>
     <p:spTree>
       <p:nvGrpSpPr>
-        <p:cNvPr id="210" name="Shape 210"/>
+        <p:cNvPr id="211" name="Shape 211"/>
         <p:cNvGrpSpPr/>
         <p:nvPr/>
       </p:nvGrpSpPr>
@@ -10797,7 +11125,331 @@
       </p:grpSpPr>
       <p:sp>
         <p:nvSpPr>
-          <p:cNvPr id="211" name="Google Shape;211;p35"/>
+          <p:cNvPr id="212" name="Google Shape;212;p35"/>
+          <p:cNvSpPr txBox="1"/>
+          <p:nvPr>
+            <p:ph type="title"/>
+          </p:nvPr>
+        </p:nvSpPr>
+        <p:spPr>
+          <a:xfrm>
+            <a:off x="311700" y="445025"/>
+            <a:ext cx="8520600" cy="572700"/>
+          </a:xfrm>
+          <a:prstGeom prst="rect">
+            <a:avLst/>
+          </a:prstGeom>
+        </p:spPr>
+        <p:txBody>
+          <a:bodyPr anchorCtr="0" anchor="t" bIns="91425" lIns="91425" spcFirstLastPara="1" rIns="91425" wrap="square" tIns="91425">
+            <a:noAutofit/>
+          </a:bodyPr>
+          <a:lstStyle/>
+          <a:p>
+            <a:pPr indent="0" lvl="0" marL="0" rtl="0" algn="l">
+              <a:spcBef>
+                <a:spcPts val="0"/>
+              </a:spcBef>
+              <a:spcAft>
+                <a:spcPts val="0"/>
+              </a:spcAft>
+              <a:buNone/>
+            </a:pPr>
+            <a:r>
+              <a:rPr lang="en"/>
+              <a:t>Evidence of Eclipse Malfunctioning</a:t>
+            </a:r>
+            <a:endParaRPr/>
+          </a:p>
+          <a:p>
+            <a:pPr indent="0" lvl="0" marL="0" rtl="0" algn="l">
+              <a:spcBef>
+                <a:spcPts val="0"/>
+              </a:spcBef>
+              <a:spcAft>
+                <a:spcPts val="0"/>
+              </a:spcAft>
+              <a:buNone/>
+            </a:pPr>
+            <a:r>
+              <a:t/>
+            </a:r>
+            <a:endParaRPr/>
+          </a:p>
+        </p:txBody>
+      </p:sp>
+      <p:pic>
+        <p:nvPicPr>
+          <p:cNvPr id="213" name="Google Shape;213;p35"/>
+          <p:cNvPicPr preferRelativeResize="0"/>
+          <p:nvPr/>
+        </p:nvPicPr>
+        <p:blipFill>
+          <a:blip r:embed="rId3">
+            <a:alphaModFix/>
+          </a:blip>
+          <a:stretch>
+            <a:fillRect/>
+          </a:stretch>
+        </p:blipFill>
+        <p:spPr>
+          <a:xfrm>
+            <a:off x="982875" y="1059625"/>
+            <a:ext cx="7178261" cy="3820975"/>
+          </a:xfrm>
+          <a:prstGeom prst="rect">
+            <a:avLst/>
+          </a:prstGeom>
+          <a:noFill/>
+          <a:ln>
+            <a:noFill/>
+          </a:ln>
+        </p:spPr>
+      </p:pic>
+    </p:spTree>
+  </p:cSld>
+  <p:clrMapOvr>
+    <a:masterClrMapping/>
+  </p:clrMapOvr>
+</p:sld>
+</file>
+
+<file path=ppt/slides/slide24.xml><?xml version="1.0" encoding="utf-8"?>
+<p:sld xmlns:a="http://schemas.openxmlformats.org/drawingml/2006/main" xmlns:r="http://schemas.openxmlformats.org/officeDocument/2006/relationships" xmlns:mc="http://schemas.openxmlformats.org/markup-compatibility/2006" xmlns:mv="urn:schemas-microsoft-com:mac:vml" xmlns:p="http://schemas.openxmlformats.org/presentationml/2006/main" xmlns:c="http://schemas.openxmlformats.org/drawingml/2006/chart" xmlns:dgm="http://schemas.openxmlformats.org/drawingml/2006/diagram" xmlns:o="urn:schemas-microsoft-com:office:office" xmlns:v="urn:schemas-microsoft-com:vml" xmlns:pvml="urn:schemas-microsoft-com:office:powerpoint" xmlns:com="http://schemas.openxmlformats.org/drawingml/2006/compatibility" xmlns:p14="http://schemas.microsoft.com/office/powerpoint/2010/main" xmlns:p15="http://schemas.microsoft.com/office/powerpoint/2012/main" xmlns:ahyp="http://schemas.microsoft.com/office/drawing/2018/hyperlinkcolor">
+  <p:cSld>
+    <p:spTree>
+      <p:nvGrpSpPr>
+        <p:cNvPr id="217" name="Shape 217"/>
+        <p:cNvGrpSpPr/>
+        <p:nvPr/>
+      </p:nvGrpSpPr>
+      <p:grpSpPr>
+        <a:xfrm>
+          <a:off x="0" y="0"/>
+          <a:ext cx="0" cy="0"/>
+          <a:chOff x="0" y="0"/>
+          <a:chExt cx="0" cy="0"/>
+        </a:xfrm>
+      </p:grpSpPr>
+      <p:sp>
+        <p:nvSpPr>
+          <p:cNvPr id="218" name="Google Shape;218;p36"/>
+          <p:cNvSpPr txBox="1"/>
+          <p:nvPr>
+            <p:ph type="title"/>
+          </p:nvPr>
+        </p:nvSpPr>
+        <p:spPr>
+          <a:xfrm>
+            <a:off x="311700" y="445025"/>
+            <a:ext cx="8520600" cy="572700"/>
+          </a:xfrm>
+          <a:prstGeom prst="rect">
+            <a:avLst/>
+          </a:prstGeom>
+        </p:spPr>
+        <p:txBody>
+          <a:bodyPr anchorCtr="0" anchor="t" bIns="91425" lIns="91425" spcFirstLastPara="1" rIns="91425" wrap="square" tIns="91425">
+            <a:noAutofit/>
+          </a:bodyPr>
+          <a:lstStyle/>
+          <a:p>
+            <a:pPr indent="0" lvl="0" marL="0" rtl="0" algn="l">
+              <a:spcBef>
+                <a:spcPts val="0"/>
+              </a:spcBef>
+              <a:spcAft>
+                <a:spcPts val="0"/>
+              </a:spcAft>
+              <a:buNone/>
+            </a:pPr>
+            <a:r>
+              <a:rPr lang="en"/>
+              <a:t>Evidence of Eclipse Malfunctioning</a:t>
+            </a:r>
+            <a:endParaRPr/>
+          </a:p>
+          <a:p>
+            <a:pPr indent="0" lvl="0" marL="0" rtl="0" algn="l">
+              <a:spcBef>
+                <a:spcPts val="0"/>
+              </a:spcBef>
+              <a:spcAft>
+                <a:spcPts val="0"/>
+              </a:spcAft>
+              <a:buNone/>
+            </a:pPr>
+            <a:r>
+              <a:t/>
+            </a:r>
+            <a:endParaRPr/>
+          </a:p>
+        </p:txBody>
+      </p:sp>
+      <p:pic>
+        <p:nvPicPr>
+          <p:cNvPr id="219" name="Google Shape;219;p36"/>
+          <p:cNvPicPr preferRelativeResize="0"/>
+          <p:nvPr/>
+        </p:nvPicPr>
+        <p:blipFill>
+          <a:blip r:embed="rId3">
+            <a:alphaModFix/>
+          </a:blip>
+          <a:stretch>
+            <a:fillRect/>
+          </a:stretch>
+        </p:blipFill>
+        <p:spPr>
+          <a:xfrm>
+            <a:off x="979000" y="1017725"/>
+            <a:ext cx="7185996" cy="3820975"/>
+          </a:xfrm>
+          <a:prstGeom prst="rect">
+            <a:avLst/>
+          </a:prstGeom>
+          <a:noFill/>
+          <a:ln>
+            <a:noFill/>
+          </a:ln>
+        </p:spPr>
+      </p:pic>
+    </p:spTree>
+  </p:cSld>
+  <p:clrMapOvr>
+    <a:masterClrMapping/>
+  </p:clrMapOvr>
+</p:sld>
+</file>
+
+<file path=ppt/slides/slide25.xml><?xml version="1.0" encoding="utf-8"?>
+<p:sld xmlns:a="http://schemas.openxmlformats.org/drawingml/2006/main" xmlns:r="http://schemas.openxmlformats.org/officeDocument/2006/relationships" xmlns:mc="http://schemas.openxmlformats.org/markup-compatibility/2006" xmlns:mv="urn:schemas-microsoft-com:mac:vml" xmlns:p="http://schemas.openxmlformats.org/presentationml/2006/main" xmlns:c="http://schemas.openxmlformats.org/drawingml/2006/chart" xmlns:dgm="http://schemas.openxmlformats.org/drawingml/2006/diagram" xmlns:o="urn:schemas-microsoft-com:office:office" xmlns:v="urn:schemas-microsoft-com:vml" xmlns:pvml="urn:schemas-microsoft-com:office:powerpoint" xmlns:com="http://schemas.openxmlformats.org/drawingml/2006/compatibility" xmlns:p14="http://schemas.microsoft.com/office/powerpoint/2010/main" xmlns:p15="http://schemas.microsoft.com/office/powerpoint/2012/main" xmlns:ahyp="http://schemas.microsoft.com/office/drawing/2018/hyperlinkcolor">
+  <p:cSld>
+    <p:spTree>
+      <p:nvGrpSpPr>
+        <p:cNvPr id="223" name="Shape 223"/>
+        <p:cNvGrpSpPr/>
+        <p:nvPr/>
+      </p:nvGrpSpPr>
+      <p:grpSpPr>
+        <a:xfrm>
+          <a:off x="0" y="0"/>
+          <a:ext cx="0" cy="0"/>
+          <a:chOff x="0" y="0"/>
+          <a:chExt cx="0" cy="0"/>
+        </a:xfrm>
+      </p:grpSpPr>
+      <p:sp>
+        <p:nvSpPr>
+          <p:cNvPr id="224" name="Google Shape;224;p37"/>
+          <p:cNvSpPr txBox="1"/>
+          <p:nvPr>
+            <p:ph type="title"/>
+          </p:nvPr>
+        </p:nvSpPr>
+        <p:spPr>
+          <a:xfrm>
+            <a:off x="311700" y="445025"/>
+            <a:ext cx="8520600" cy="572700"/>
+          </a:xfrm>
+          <a:prstGeom prst="rect">
+            <a:avLst/>
+          </a:prstGeom>
+        </p:spPr>
+        <p:txBody>
+          <a:bodyPr anchorCtr="0" anchor="t" bIns="91425" lIns="91425" spcFirstLastPara="1" rIns="91425" wrap="square" tIns="91425">
+            <a:noAutofit/>
+          </a:bodyPr>
+          <a:lstStyle/>
+          <a:p>
+            <a:pPr indent="0" lvl="0" marL="0" rtl="0" algn="l">
+              <a:spcBef>
+                <a:spcPts val="0"/>
+              </a:spcBef>
+              <a:spcAft>
+                <a:spcPts val="0"/>
+              </a:spcAft>
+              <a:buNone/>
+            </a:pPr>
+            <a:r>
+              <a:rPr lang="en"/>
+              <a:t>Evidence of Eclipse Malfunctioning</a:t>
+            </a:r>
+            <a:endParaRPr/>
+          </a:p>
+          <a:p>
+            <a:pPr indent="0" lvl="0" marL="0" rtl="0" algn="l">
+              <a:spcBef>
+                <a:spcPts val="0"/>
+              </a:spcBef>
+              <a:spcAft>
+                <a:spcPts val="0"/>
+              </a:spcAft>
+              <a:buNone/>
+            </a:pPr>
+            <a:r>
+              <a:t/>
+            </a:r>
+            <a:endParaRPr/>
+          </a:p>
+        </p:txBody>
+      </p:sp>
+      <p:pic>
+        <p:nvPicPr>
+          <p:cNvPr id="225" name="Google Shape;225;p37"/>
+          <p:cNvPicPr preferRelativeResize="0"/>
+          <p:nvPr/>
+        </p:nvPicPr>
+        <p:blipFill>
+          <a:blip r:embed="rId3">
+            <a:alphaModFix/>
+          </a:blip>
+          <a:stretch>
+            <a:fillRect/>
+          </a:stretch>
+        </p:blipFill>
+        <p:spPr>
+          <a:xfrm>
+            <a:off x="505700" y="1140000"/>
+            <a:ext cx="8132599" cy="3820975"/>
+          </a:xfrm>
+          <a:prstGeom prst="rect">
+            <a:avLst/>
+          </a:prstGeom>
+          <a:noFill/>
+          <a:ln>
+            <a:noFill/>
+          </a:ln>
+        </p:spPr>
+      </p:pic>
+    </p:spTree>
+  </p:cSld>
+  <p:clrMapOvr>
+    <a:masterClrMapping/>
+  </p:clrMapOvr>
+</p:sld>
+</file>
+
+<file path=ppt/slides/slide26.xml><?xml version="1.0" encoding="utf-8"?>
+<p:sld xmlns:a="http://schemas.openxmlformats.org/drawingml/2006/main" xmlns:r="http://schemas.openxmlformats.org/officeDocument/2006/relationships" xmlns:mc="http://schemas.openxmlformats.org/markup-compatibility/2006" xmlns:mv="urn:schemas-microsoft-com:mac:vml" xmlns:p="http://schemas.openxmlformats.org/presentationml/2006/main" xmlns:c="http://schemas.openxmlformats.org/drawingml/2006/chart" xmlns:dgm="http://schemas.openxmlformats.org/drawingml/2006/diagram" xmlns:o="urn:schemas-microsoft-com:office:office" xmlns:v="urn:schemas-microsoft-com:vml" xmlns:pvml="urn:schemas-microsoft-com:office:powerpoint" xmlns:com="http://schemas.openxmlformats.org/drawingml/2006/compatibility" xmlns:p14="http://schemas.microsoft.com/office/powerpoint/2010/main" xmlns:p15="http://schemas.microsoft.com/office/powerpoint/2012/main" xmlns:ahyp="http://schemas.microsoft.com/office/drawing/2018/hyperlinkcolor">
+  <p:cSld>
+    <p:spTree>
+      <p:nvGrpSpPr>
+        <p:cNvPr id="229" name="Shape 229"/>
+        <p:cNvGrpSpPr/>
+        <p:nvPr/>
+      </p:nvGrpSpPr>
+      <p:grpSpPr>
+        <a:xfrm>
+          <a:off x="0" y="0"/>
+          <a:ext cx="0" cy="0"/>
+          <a:chOff x="0" y="0"/>
+          <a:chExt cx="0" cy="0"/>
+        </a:xfrm>
+      </p:grpSpPr>
+      <p:sp>
+        <p:nvSpPr>
+          <p:cNvPr id="230" name="Google Shape;230;p38"/>
           <p:cNvSpPr txBox="1"/>
           <p:nvPr>
             <p:ph type="title"/>
